--- a/layoff.pptx
+++ b/layoff.pptx
@@ -497,207 +497,6 @@
         <p:txBody>
           <a:bodyPr/>
           <a:lstStyle/>
-          <a:p>
-            <a:r>
-              <a:rPr b="1" dirty="0"/>
-              <a:t>Top 10 industry has highes laidoff</a:t>
-            </a:r>
-            <a:endParaRPr dirty="0"/>
-          </a:p>
-          <a:p>
-            <a:r>
-              <a:rPr b="0" dirty="0"/>
-              <a:t>No alt text provided</a:t>
-            </a:r>
-            <a:endParaRPr dirty="0"/>
-          </a:p>
-          <a:p>
-            <a:endParaRPr dirty="0"/>
-          </a:p>
-          <a:p>
-            <a:r>
-              <a:rPr b="1" dirty="0"/>
-              <a:t>Top 10 Countries has laid off</a:t>
-            </a:r>
-            <a:endParaRPr dirty="0"/>
-          </a:p>
-          <a:p>
-            <a:r>
-              <a:rPr b="0" dirty="0"/>
-              <a:t>No alt text provided</a:t>
-            </a:r>
-            <a:endParaRPr dirty="0"/>
-          </a:p>
-          <a:p>
-            <a:endParaRPr dirty="0"/>
-          </a:p>
-          <a:p>
-            <a:r>
-              <a:rPr b="1" dirty="0"/>
-              <a:t>Laidoff VS. Date</a:t>
-            </a:r>
-            <a:endParaRPr dirty="0"/>
-          </a:p>
-          <a:p>
-            <a:r>
-              <a:rPr b="0" dirty="0"/>
-              <a:t>No alt text provided</a:t>
-            </a:r>
-            <a:endParaRPr dirty="0"/>
-          </a:p>
-          <a:p>
-            <a:endParaRPr dirty="0"/>
-          </a:p>
-          <a:p>
-            <a:r>
-              <a:rPr b="1" dirty="0"/>
-              <a:t>textbox</a:t>
-            </a:r>
-            <a:endParaRPr dirty="0"/>
-          </a:p>
-          <a:p>
-            <a:r>
-              <a:rPr b="0" dirty="0"/>
-              <a:t>No alt text provided</a:t>
-            </a:r>
-            <a:endParaRPr dirty="0"/>
-          </a:p>
-          <a:p>
-            <a:endParaRPr dirty="0"/>
-          </a:p>
-          <a:p>
-            <a:r>
-              <a:rPr b="1" dirty="0"/>
-              <a:t>textbox</a:t>
-            </a:r>
-            <a:endParaRPr dirty="0"/>
-          </a:p>
-          <a:p>
-            <a:r>
-              <a:rPr b="0" dirty="0"/>
-              <a:t>No alt text provided</a:t>
-            </a:r>
-            <a:endParaRPr dirty="0"/>
-          </a:p>
-          <a:p>
-            <a:endParaRPr dirty="0"/>
-          </a:p>
-          <a:p>
-            <a:r>
-              <a:rPr b="1" dirty="0"/>
-              <a:t>multiRowCard</a:t>
-            </a:r>
-            <a:endParaRPr dirty="0"/>
-          </a:p>
-          <a:p>
-            <a:r>
-              <a:rPr b="0" dirty="0"/>
-              <a:t>No alt text provided</a:t>
-            </a:r>
-            <a:endParaRPr dirty="0"/>
-          </a:p>
-          <a:p>
-            <a:endParaRPr dirty="0"/>
-          </a:p>
-          <a:p>
-            <a:r>
-              <a:rPr b="1" dirty="0"/>
-              <a:t>multiRowCard</a:t>
-            </a:r>
-            <a:endParaRPr dirty="0"/>
-          </a:p>
-          <a:p>
-            <a:r>
-              <a:rPr b="0" dirty="0"/>
-              <a:t>No alt text provided</a:t>
-            </a:r>
-            <a:endParaRPr dirty="0"/>
-          </a:p>
-          <a:p>
-            <a:endParaRPr dirty="0"/>
-          </a:p>
-          <a:p>
-            <a:r>
-              <a:rPr b="1" dirty="0"/>
-              <a:t>multiRowCard</a:t>
-            </a:r>
-            <a:endParaRPr dirty="0"/>
-          </a:p>
-          <a:p>
-            <a:r>
-              <a:rPr b="0" dirty="0"/>
-              <a:t>No alt text provided</a:t>
-            </a:r>
-            <a:endParaRPr dirty="0"/>
-          </a:p>
-          <a:p>
-            <a:endParaRPr dirty="0"/>
-          </a:p>
-          <a:p>
-            <a:r>
-              <a:rPr b="1" dirty="0"/>
-              <a:t>shape</a:t>
-            </a:r>
-            <a:endParaRPr dirty="0"/>
-          </a:p>
-          <a:p>
-            <a:r>
-              <a:rPr b="0" dirty="0"/>
-              <a:t>No alt text provided</a:t>
-            </a:r>
-            <a:endParaRPr dirty="0"/>
-          </a:p>
-          <a:p>
-            <a:endParaRPr dirty="0"/>
-          </a:p>
-          <a:p>
-            <a:r>
-              <a:rPr b="1" dirty="0"/>
-              <a:t>slicer</a:t>
-            </a:r>
-            <a:endParaRPr dirty="0"/>
-          </a:p>
-          <a:p>
-            <a:r>
-              <a:rPr b="0" dirty="0"/>
-              <a:t>No alt text provided</a:t>
-            </a:r>
-            <a:endParaRPr dirty="0"/>
-          </a:p>
-          <a:p>
-            <a:endParaRPr dirty="0"/>
-          </a:p>
-          <a:p>
-            <a:r>
-              <a:rPr b="1" dirty="0"/>
-              <a:t>Top 10 company has laid off</a:t>
-            </a:r>
-            <a:endParaRPr dirty="0"/>
-          </a:p>
-          <a:p>
-            <a:r>
-              <a:rPr b="0" dirty="0"/>
-              <a:t>No alt text provided</a:t>
-            </a:r>
-            <a:endParaRPr dirty="0"/>
-          </a:p>
-          <a:p>
-            <a:endParaRPr dirty="0"/>
-          </a:p>
-          <a:p>
-            <a:r>
-              <a:rPr b="1" dirty="0"/>
-              <a:t>textbox</a:t>
-            </a:r>
-            <a:endParaRPr dirty="0"/>
-          </a:p>
-          <a:p>
-            <a:r>
-              <a:rPr b="0" dirty="0"/>
-              <a:t>No alt text provided</a:t>
-            </a:r>
-            <a:endParaRPr dirty="0"/>
-          </a:p>
           <a:p>
             <a:endParaRPr dirty="0"/>
           </a:p>
